--- a/SimpleApp.pptx
+++ b/SimpleApp.pptx
@@ -12961,8 +12961,8 @@
       </p:grpSp>
       <p:pic>
         <p:nvPicPr>
-          <p:cNvPr id="2" name="图片 1" descr="TimeTable">
-            <a:hlinkClick r:id="rId1" tooltip="" action="ppaction://hlinkfile"/>
+          <p:cNvPr id="2" name="图片 1" descr="D:\Xamarin\Xamarin_course_work2\TimeTable.pngTimeTable">
+            <a:hlinkClick r:id="rId1" action="ppaction://hlinkfile"/>
           </p:cNvPr>
           <p:cNvPicPr>
             <a:picLocks noChangeAspect="1"/>
@@ -12971,6 +12971,7 @@
         </p:nvPicPr>
         <p:blipFill>
           <a:blip r:embed="rId2"/>
+          <a:srcRect l="4471" r="4471"/>
           <a:stretch>
             <a:fillRect/>
           </a:stretch>
@@ -12978,13 +12979,44 @@
         <p:spPr>
           <a:xfrm>
             <a:off x="1066800" y="1309370"/>
-            <a:ext cx="10058400" cy="4391660"/>
+            <a:ext cx="10269855" cy="4484370"/>
           </a:xfrm>
           <a:prstGeom prst="rect">
             <a:avLst/>
           </a:prstGeom>
         </p:spPr>
       </p:pic>
+      <p:sp>
+        <p:nvSpPr>
+          <p:cNvPr id="3" name="文本框 2"/>
+          <p:cNvSpPr txBox="1"/>
+          <p:nvPr/>
+        </p:nvSpPr>
+        <p:spPr>
+          <a:xfrm>
+            <a:off x="1870710" y="5974715"/>
+            <a:ext cx="9714865" cy="368300"/>
+          </a:xfrm>
+          <a:prstGeom prst="rect">
+            <a:avLst/>
+          </a:prstGeom>
+          <a:noFill/>
+        </p:spPr>
+        <p:txBody>
+          <a:bodyPr wrap="square" rtlCol="0">
+            <a:spAutoFit/>
+          </a:bodyPr>
+          <a:p>
+            <a:r>
+              <a:rPr lang="zh-CN" altLang="en-US">
+                <a:hlinkClick r:id="rId3" tooltip=""/>
+              </a:rPr>
+              <a:t>http://naotu.baidu.com/file/dcce888cbb98eff09e947b19ed6645ea?token=da529395c1abaf66</a:t>
+            </a:r>
+            <a:endParaRPr lang="zh-CN" altLang="en-US"/>
+          </a:p>
+        </p:txBody>
+      </p:sp>
     </p:spTree>
   </p:cSld>
   <p:clrMapOvr>
